--- a/clases/04-pres-parl-chile/04pc2pres-parlChile.pptx
+++ b/clases/04-pres-parl-chile/04pc2pres-parlChile.pptx
@@ -162,7 +162,32 @@
       </a:defRPr>
     </a:lvl9pPr>
   </p:defaultTextStyle>
+  <p:extLst>
+    <p:ext uri="{EFAFB233-063F-42B5-8137-9DF3F51BA10A}">
+      <p15:sldGuideLst xmlns:p15="http://schemas.microsoft.com/office/powerpoint/2012/main">
+        <p15:guide id="1" orient="horz" pos="2160">
+          <p15:clr>
+            <a:srgbClr val="A4A3A4"/>
+          </p15:clr>
+        </p15:guide>
+        <p15:guide id="2" pos="2880">
+          <p15:clr>
+            <a:srgbClr val="A4A3A4"/>
+          </p15:clr>
+        </p15:guide>
+      </p15:sldGuideLst>
+    </p:ext>
+  </p:extLst>
 </p:presentation>
+</file>
+
+<file path=ppt/revisionInfo.xml><?xml version="1.0" encoding="utf-8"?>
+<p1510:revInfo xmlns:a="http://schemas.openxmlformats.org/drawingml/2006/main" xmlns:r="http://schemas.openxmlformats.org/officeDocument/2006/relationships" xmlns:p1510="http://schemas.microsoft.com/office/powerpoint/2015/10/main">
+  <p1510:revLst>
+    <p1510:client id="{1E73D99E-F897-162D-B96B-4B3A8DF37967}" v="13" dt="2020-09-14T22:16:54.867"/>
+    <p1510:client id="{4EDC9D98-EB75-414C-4090-15BB2692239B}" v="69" dt="2020-09-21T22:20:15.159"/>
+  </p1510:revLst>
+</p1510:revInfo>
 </file>
 
 <file path=ppt/notesMasters/notesMaster1.xml><?xml version="1.0" encoding="utf-8"?>
@@ -361,35 +386,35 @@
           <a:p>
             <a:pPr lvl="0"/>
             <a:r>
-              <a:rPr lang="es-ES" noProof="0" smtClean="0"/>
+              <a:rPr lang="es-ES" noProof="0"/>
               <a:t>Haga clic para modificar el estilo de texto del patrón</a:t>
             </a:r>
           </a:p>
           <a:p>
             <a:pPr lvl="1"/>
             <a:r>
-              <a:rPr lang="es-ES" noProof="0" smtClean="0"/>
+              <a:rPr lang="es-ES" noProof="0"/>
               <a:t>Segundo nivel</a:t>
             </a:r>
           </a:p>
           <a:p>
             <a:pPr lvl="2"/>
             <a:r>
-              <a:rPr lang="es-ES" noProof="0" smtClean="0"/>
+              <a:rPr lang="es-ES" noProof="0"/>
               <a:t>Tercer nivel</a:t>
             </a:r>
           </a:p>
           <a:p>
             <a:pPr lvl="3"/>
             <a:r>
-              <a:rPr lang="es-ES" noProof="0" smtClean="0"/>
+              <a:rPr lang="es-ES" noProof="0"/>
               <a:t>Cuarto nivel</a:t>
             </a:r>
           </a:p>
           <a:p>
             <a:pPr lvl="4"/>
             <a:r>
-              <a:rPr lang="es-ES" noProof="0" smtClean="0"/>
+              <a:rPr lang="es-ES" noProof="0"/>
               <a:t>Quinto nivel</a:t>
             </a:r>
           </a:p>
@@ -672,7 +697,7 @@
           <a:lstStyle/>
           <a:p>
             <a:r>
-              <a:rPr lang="es-ES" smtClean="0"/>
+              <a:rPr lang="es-ES"/>
               <a:t>Haga clic para modificar el estilo de título del patrón</a:t>
             </a:r>
             <a:endParaRPr lang="es-MX"/>
@@ -740,7 +765,7 @@
           </a:lstStyle>
           <a:p>
             <a:r>
-              <a:rPr lang="es-ES" smtClean="0"/>
+              <a:rPr lang="es-ES"/>
               <a:t>Haga clic para modificar el estilo de subtítulo del patrón</a:t>
             </a:r>
             <a:endParaRPr lang="es-MX"/>
@@ -801,7 +826,7 @@
           <a:lstStyle/>
           <a:p>
             <a:r>
-              <a:rPr lang="es-ES" smtClean="0"/>
+              <a:rPr lang="es-ES"/>
               <a:t>Haga clic para modificar el estilo de título del patrón</a:t>
             </a:r>
             <a:endParaRPr lang="es-MX"/>
@@ -833,35 +858,35 @@
           <a:p>
             <a:pPr lvl="0"/>
             <a:r>
-              <a:rPr lang="es-ES" smtClean="0"/>
+              <a:rPr lang="es-ES"/>
               <a:t>Haga clic para modificar el estilo de texto del patrón</a:t>
             </a:r>
           </a:p>
           <a:p>
             <a:pPr lvl="1"/>
             <a:r>
-              <a:rPr lang="es-ES" smtClean="0"/>
+              <a:rPr lang="es-ES"/>
               <a:t>Segundo nivel</a:t>
             </a:r>
           </a:p>
           <a:p>
             <a:pPr lvl="2"/>
             <a:r>
-              <a:rPr lang="es-ES" smtClean="0"/>
+              <a:rPr lang="es-ES"/>
               <a:t>Tercer nivel</a:t>
             </a:r>
           </a:p>
           <a:p>
             <a:pPr lvl="3"/>
             <a:r>
-              <a:rPr lang="es-ES" smtClean="0"/>
+              <a:rPr lang="es-ES"/>
               <a:t>Cuarto nivel</a:t>
             </a:r>
           </a:p>
           <a:p>
             <a:pPr lvl="4"/>
             <a:r>
-              <a:rPr lang="es-ES" smtClean="0"/>
+              <a:rPr lang="es-ES"/>
               <a:t>Quinto nivel</a:t>
             </a:r>
             <a:endParaRPr lang="es-MX"/>
@@ -922,7 +947,7 @@
           <a:lstStyle/>
           <a:p>
             <a:r>
-              <a:rPr lang="es-ES" smtClean="0"/>
+              <a:rPr lang="es-ES"/>
               <a:t>Haga clic para modificar el estilo de título del patrón</a:t>
             </a:r>
             <a:endParaRPr lang="es-MX"/>
@@ -954,35 +979,35 @@
           <a:p>
             <a:pPr lvl="0"/>
             <a:r>
-              <a:rPr lang="es-ES" smtClean="0"/>
+              <a:rPr lang="es-ES"/>
               <a:t>Haga clic para modificar el estilo de texto del patrón</a:t>
             </a:r>
           </a:p>
           <a:p>
             <a:pPr lvl="1"/>
             <a:r>
-              <a:rPr lang="es-ES" smtClean="0"/>
+              <a:rPr lang="es-ES"/>
               <a:t>Segundo nivel</a:t>
             </a:r>
           </a:p>
           <a:p>
             <a:pPr lvl="2"/>
             <a:r>
-              <a:rPr lang="es-ES" smtClean="0"/>
+              <a:rPr lang="es-ES"/>
               <a:t>Tercer nivel</a:t>
             </a:r>
           </a:p>
           <a:p>
             <a:pPr lvl="3"/>
             <a:r>
-              <a:rPr lang="es-ES" smtClean="0"/>
+              <a:rPr lang="es-ES"/>
               <a:t>Cuarto nivel</a:t>
             </a:r>
           </a:p>
           <a:p>
             <a:pPr lvl="4"/>
             <a:r>
-              <a:rPr lang="es-ES" smtClean="0"/>
+              <a:rPr lang="es-ES"/>
               <a:t>Quinto nivel</a:t>
             </a:r>
             <a:endParaRPr lang="es-MX"/>
@@ -1043,7 +1068,7 @@
           <a:lstStyle/>
           <a:p>
             <a:r>
-              <a:rPr lang="es-ES" smtClean="0"/>
+              <a:rPr lang="es-ES"/>
               <a:t>Haga clic para modificar el estilo de título del patrón</a:t>
             </a:r>
             <a:endParaRPr lang="es-MX"/>
@@ -1075,35 +1100,35 @@
           <a:p>
             <a:pPr lvl="0"/>
             <a:r>
-              <a:rPr lang="es-ES" smtClean="0"/>
+              <a:rPr lang="es-ES"/>
               <a:t>Haga clic para modificar el estilo de texto del patrón</a:t>
             </a:r>
           </a:p>
           <a:p>
             <a:pPr lvl="1"/>
             <a:r>
-              <a:rPr lang="es-ES" smtClean="0"/>
+              <a:rPr lang="es-ES"/>
               <a:t>Segundo nivel</a:t>
             </a:r>
           </a:p>
           <a:p>
             <a:pPr lvl="2"/>
             <a:r>
-              <a:rPr lang="es-ES" smtClean="0"/>
+              <a:rPr lang="es-ES"/>
               <a:t>Tercer nivel</a:t>
             </a:r>
           </a:p>
           <a:p>
             <a:pPr lvl="3"/>
             <a:r>
-              <a:rPr lang="es-ES" smtClean="0"/>
+              <a:rPr lang="es-ES"/>
               <a:t>Cuarto nivel</a:t>
             </a:r>
           </a:p>
           <a:p>
             <a:pPr lvl="4"/>
             <a:r>
-              <a:rPr lang="es-ES" smtClean="0"/>
+              <a:rPr lang="es-ES"/>
               <a:t>Quinto nivel</a:t>
             </a:r>
             <a:endParaRPr lang="es-MX"/>
@@ -1168,7 +1193,7 @@
           </a:lstStyle>
           <a:p>
             <a:r>
-              <a:rPr lang="es-ES" smtClean="0"/>
+              <a:rPr lang="es-ES"/>
               <a:t>Haga clic para modificar el estilo de título del patrón</a:t>
             </a:r>
             <a:endParaRPr lang="es-MX"/>
@@ -1237,7 +1262,7 @@
           <a:p>
             <a:pPr lvl="0"/>
             <a:r>
-              <a:rPr lang="es-ES" smtClean="0"/>
+              <a:rPr lang="es-ES"/>
               <a:t>Haga clic para modificar el estilo de texto del patrón</a:t>
             </a:r>
           </a:p>
@@ -1297,7 +1322,7 @@
           <a:lstStyle/>
           <a:p>
             <a:r>
-              <a:rPr lang="es-ES" smtClean="0"/>
+              <a:rPr lang="es-ES"/>
               <a:t>Haga clic para modificar el estilo de título del patrón</a:t>
             </a:r>
             <a:endParaRPr lang="es-MX"/>
@@ -1357,35 +1382,35 @@
           <a:p>
             <a:pPr lvl="0"/>
             <a:r>
-              <a:rPr lang="es-ES" smtClean="0"/>
+              <a:rPr lang="es-ES"/>
               <a:t>Haga clic para modificar el estilo de texto del patrón</a:t>
             </a:r>
           </a:p>
           <a:p>
             <a:pPr lvl="1"/>
             <a:r>
-              <a:rPr lang="es-ES" smtClean="0"/>
+              <a:rPr lang="es-ES"/>
               <a:t>Segundo nivel</a:t>
             </a:r>
           </a:p>
           <a:p>
             <a:pPr lvl="2"/>
             <a:r>
-              <a:rPr lang="es-ES" smtClean="0"/>
+              <a:rPr lang="es-ES"/>
               <a:t>Tercer nivel</a:t>
             </a:r>
           </a:p>
           <a:p>
             <a:pPr lvl="3"/>
             <a:r>
-              <a:rPr lang="es-ES" smtClean="0"/>
+              <a:rPr lang="es-ES"/>
               <a:t>Cuarto nivel</a:t>
             </a:r>
           </a:p>
           <a:p>
             <a:pPr lvl="4"/>
             <a:r>
-              <a:rPr lang="es-ES" smtClean="0"/>
+              <a:rPr lang="es-ES"/>
               <a:t>Quinto nivel</a:t>
             </a:r>
             <a:endParaRPr lang="es-MX"/>
@@ -1445,35 +1470,35 @@
           <a:p>
             <a:pPr lvl="0"/>
             <a:r>
-              <a:rPr lang="es-ES" smtClean="0"/>
+              <a:rPr lang="es-ES"/>
               <a:t>Haga clic para modificar el estilo de texto del patrón</a:t>
             </a:r>
           </a:p>
           <a:p>
             <a:pPr lvl="1"/>
             <a:r>
-              <a:rPr lang="es-ES" smtClean="0"/>
+              <a:rPr lang="es-ES"/>
               <a:t>Segundo nivel</a:t>
             </a:r>
           </a:p>
           <a:p>
             <a:pPr lvl="2"/>
             <a:r>
-              <a:rPr lang="es-ES" smtClean="0"/>
+              <a:rPr lang="es-ES"/>
               <a:t>Tercer nivel</a:t>
             </a:r>
           </a:p>
           <a:p>
             <a:pPr lvl="3"/>
             <a:r>
-              <a:rPr lang="es-ES" smtClean="0"/>
+              <a:rPr lang="es-ES"/>
               <a:t>Cuarto nivel</a:t>
             </a:r>
           </a:p>
           <a:p>
             <a:pPr lvl="4"/>
             <a:r>
-              <a:rPr lang="es-ES" smtClean="0"/>
+              <a:rPr lang="es-ES"/>
               <a:t>Quinto nivel</a:t>
             </a:r>
             <a:endParaRPr lang="es-MX"/>
@@ -1538,7 +1563,7 @@
           </a:lstStyle>
           <a:p>
             <a:r>
-              <a:rPr lang="es-ES" smtClean="0"/>
+              <a:rPr lang="es-ES"/>
               <a:t>Haga clic para modificar el estilo de título del patrón</a:t>
             </a:r>
             <a:endParaRPr lang="es-MX"/>
@@ -1607,7 +1632,7 @@
           <a:p>
             <a:pPr lvl="0"/>
             <a:r>
-              <a:rPr lang="es-ES" smtClean="0"/>
+              <a:rPr lang="es-ES"/>
               <a:t>Haga clic para modificar el estilo de texto del patrón</a:t>
             </a:r>
           </a:p>
@@ -1666,35 +1691,35 @@
           <a:p>
             <a:pPr lvl="0"/>
             <a:r>
-              <a:rPr lang="es-ES" smtClean="0"/>
+              <a:rPr lang="es-ES"/>
               <a:t>Haga clic para modificar el estilo de texto del patrón</a:t>
             </a:r>
           </a:p>
           <a:p>
             <a:pPr lvl="1"/>
             <a:r>
-              <a:rPr lang="es-ES" smtClean="0"/>
+              <a:rPr lang="es-ES"/>
               <a:t>Segundo nivel</a:t>
             </a:r>
           </a:p>
           <a:p>
             <a:pPr lvl="2"/>
             <a:r>
-              <a:rPr lang="es-ES" smtClean="0"/>
+              <a:rPr lang="es-ES"/>
               <a:t>Tercer nivel</a:t>
             </a:r>
           </a:p>
           <a:p>
             <a:pPr lvl="3"/>
             <a:r>
-              <a:rPr lang="es-ES" smtClean="0"/>
+              <a:rPr lang="es-ES"/>
               <a:t>Cuarto nivel</a:t>
             </a:r>
           </a:p>
           <a:p>
             <a:pPr lvl="4"/>
             <a:r>
-              <a:rPr lang="es-ES" smtClean="0"/>
+              <a:rPr lang="es-ES"/>
               <a:t>Quinto nivel</a:t>
             </a:r>
             <a:endParaRPr lang="es-MX"/>
@@ -1763,7 +1788,7 @@
           <a:p>
             <a:pPr lvl="0"/>
             <a:r>
-              <a:rPr lang="es-ES" smtClean="0"/>
+              <a:rPr lang="es-ES"/>
               <a:t>Haga clic para modificar el estilo de texto del patrón</a:t>
             </a:r>
           </a:p>
@@ -1822,35 +1847,35 @@
           <a:p>
             <a:pPr lvl="0"/>
             <a:r>
-              <a:rPr lang="es-ES" smtClean="0"/>
+              <a:rPr lang="es-ES"/>
               <a:t>Haga clic para modificar el estilo de texto del patrón</a:t>
             </a:r>
           </a:p>
           <a:p>
             <a:pPr lvl="1"/>
             <a:r>
-              <a:rPr lang="es-ES" smtClean="0"/>
+              <a:rPr lang="es-ES"/>
               <a:t>Segundo nivel</a:t>
             </a:r>
           </a:p>
           <a:p>
             <a:pPr lvl="2"/>
             <a:r>
-              <a:rPr lang="es-ES" smtClean="0"/>
+              <a:rPr lang="es-ES"/>
               <a:t>Tercer nivel</a:t>
             </a:r>
           </a:p>
           <a:p>
             <a:pPr lvl="3"/>
             <a:r>
-              <a:rPr lang="es-ES" smtClean="0"/>
+              <a:rPr lang="es-ES"/>
               <a:t>Cuarto nivel</a:t>
             </a:r>
           </a:p>
           <a:p>
             <a:pPr lvl="4"/>
             <a:r>
-              <a:rPr lang="es-ES" smtClean="0"/>
+              <a:rPr lang="es-ES"/>
               <a:t>Quinto nivel</a:t>
             </a:r>
             <a:endParaRPr lang="es-MX"/>
@@ -1911,7 +1936,7 @@
           <a:lstStyle/>
           <a:p>
             <a:r>
-              <a:rPr lang="es-ES" smtClean="0"/>
+              <a:rPr lang="es-ES"/>
               <a:t>Haga clic para modificar el estilo de título del patrón</a:t>
             </a:r>
             <a:endParaRPr lang="es-MX"/>
@@ -2006,7 +2031,7 @@
           </a:lstStyle>
           <a:p>
             <a:r>
-              <a:rPr lang="es-ES" smtClean="0"/>
+              <a:rPr lang="es-ES"/>
               <a:t>Haga clic para modificar el estilo de título del patrón</a:t>
             </a:r>
             <a:endParaRPr lang="es-MX"/>
@@ -2066,35 +2091,35 @@
           <a:p>
             <a:pPr lvl="0"/>
             <a:r>
-              <a:rPr lang="es-ES" smtClean="0"/>
+              <a:rPr lang="es-ES"/>
               <a:t>Haga clic para modificar el estilo de texto del patrón</a:t>
             </a:r>
           </a:p>
           <a:p>
             <a:pPr lvl="1"/>
             <a:r>
-              <a:rPr lang="es-ES" smtClean="0"/>
+              <a:rPr lang="es-ES"/>
               <a:t>Segundo nivel</a:t>
             </a:r>
           </a:p>
           <a:p>
             <a:pPr lvl="2"/>
             <a:r>
-              <a:rPr lang="es-ES" smtClean="0"/>
+              <a:rPr lang="es-ES"/>
               <a:t>Tercer nivel</a:t>
             </a:r>
           </a:p>
           <a:p>
             <a:pPr lvl="3"/>
             <a:r>
-              <a:rPr lang="es-ES" smtClean="0"/>
+              <a:rPr lang="es-ES"/>
               <a:t>Cuarto nivel</a:t>
             </a:r>
           </a:p>
           <a:p>
             <a:pPr lvl="4"/>
             <a:r>
-              <a:rPr lang="es-ES" smtClean="0"/>
+              <a:rPr lang="es-ES"/>
               <a:t>Quinto nivel</a:t>
             </a:r>
             <a:endParaRPr lang="es-MX"/>
@@ -2163,7 +2188,7 @@
           <a:p>
             <a:pPr lvl="0"/>
             <a:r>
-              <a:rPr lang="es-ES" smtClean="0"/>
+              <a:rPr lang="es-ES"/>
               <a:t>Haga clic para modificar el estilo de texto del patrón</a:t>
             </a:r>
           </a:p>
@@ -2227,7 +2252,7 @@
           </a:lstStyle>
           <a:p>
             <a:r>
-              <a:rPr lang="es-ES" smtClean="0"/>
+              <a:rPr lang="es-ES"/>
               <a:t>Haga clic para modificar el estilo de título del patrón</a:t>
             </a:r>
             <a:endParaRPr lang="es-MX"/>
@@ -2295,7 +2320,7 @@
           </a:lstStyle>
           <a:p>
             <a:pPr lvl="0"/>
-            <a:endParaRPr lang="es-MX" noProof="0" smtClean="0"/>
+            <a:endParaRPr lang="es-MX" noProof="0"/>
           </a:p>
         </p:txBody>
       </p:sp>
@@ -2361,7 +2386,7 @@
           <a:p>
             <a:pPr lvl="0"/>
             <a:r>
-              <a:rPr lang="es-ES" smtClean="0"/>
+              <a:rPr lang="es-ES"/>
               <a:t>Haga clic para modificar el estilo de texto del patrón</a:t>
             </a:r>
           </a:p>
@@ -2537,7 +2562,7 @@
             <a:pPr eaLnBrk="1" hangingPunct="1">
               <a:defRPr/>
             </a:pPr>
-            <a:endParaRPr lang="es-MX" altLang="es-MX" smtClean="0"/>
+            <a:endParaRPr lang="es-MX" altLang="es-MX"/>
           </a:p>
         </p:txBody>
       </p:sp>
@@ -2676,7 +2701,7 @@
               <a:defRPr/>
             </a:pPr>
             <a:r>
-              <a:rPr lang="es-MX" altLang="es-MX" sz="1600" smtClean="0">
+              <a:rPr lang="es-MX" altLang="es-MX" sz="1600">
                 <a:solidFill>
                   <a:schemeClr val="folHlink"/>
                 </a:solidFill>
@@ -2684,7 +2709,7 @@
               </a:rPr>
               <a:t>pc2 itam 10-9-13</a:t>
             </a:r>
-            <a:endParaRPr lang="es-ES" altLang="es-MX" sz="1600" smtClean="0">
+            <a:endParaRPr lang="es-ES" altLang="es-MX" sz="1600">
               <a:solidFill>
                 <a:schemeClr val="folHlink"/>
               </a:solidFill>
@@ -3254,12 +3279,6 @@
                 <a:latin typeface="Calibri" pitchFamily="34" charset="0"/>
               </a:rPr>
             </a:br>
-            <a:r>
-              <a:rPr lang="es-MX" altLang="es-MX" sz="6000">
-                <a:latin typeface="Calibri" pitchFamily="34" charset="0"/>
-              </a:rPr>
-              <a:t/>
-            </a:r>
             <a:br>
               <a:rPr lang="es-MX" altLang="es-MX" sz="6000">
                 <a:latin typeface="Calibri" pitchFamily="34" charset="0"/>
@@ -3295,13 +3314,6 @@
   <p:clrMapOvr>
     <a:masterClrMapping/>
   </p:clrMapOvr>
-  <p:timing>
-    <p:tnLst>
-      <p:par>
-        <p:cTn id="1" dur="indefinite" restart="never" nodeType="tmRoot"/>
-      </p:par>
-    </p:tnLst>
-  </p:timing>
 </p:sld>
 </file>
 
@@ -15359,13 +15371,6 @@
   <p:clrMapOvr>
     <a:masterClrMapping/>
   </p:clrMapOvr>
-  <p:timing>
-    <p:tnLst>
-      <p:par>
-        <p:cTn id="1" dur="indefinite" restart="never" nodeType="tmRoot"/>
-      </p:par>
-    </p:tnLst>
-  </p:timing>
 </p:sld>
 </file>
 
@@ -18510,13 +18515,6 @@
   <p:clrMapOvr>
     <a:masterClrMapping/>
   </p:clrMapOvr>
-  <p:timing>
-    <p:tnLst>
-      <p:par>
-        <p:cTn id="1" dur="indefinite" restart="never" nodeType="tmRoot"/>
-      </p:par>
-    </p:tnLst>
-  </p:timing>
 </p:sld>
 </file>
 
@@ -19079,7 +19077,7 @@
           </a:extLst>
         </p:spPr>
         <p:txBody>
-          <a:bodyPr>
+          <a:bodyPr lIns="91440" tIns="45720" rIns="91440" bIns="45720" anchor="t">
             <a:spAutoFit/>
           </a:bodyPr>
           <a:lstStyle>
@@ -19187,43 +19185,107 @@
               </a:spcBef>
             </a:pPr>
             <a:r>
-              <a:rPr lang="es-MX" altLang="es-MX" sz="3200">
-                <a:latin typeface="Calibri" pitchFamily="34" charset="0"/>
+              <a:rPr lang="es-MX" altLang="es-MX" sz="3200" dirty="0">
+                <a:latin typeface="Calibri"/>
+                <a:cs typeface="Calibri"/>
               </a:rPr>
               <a:t>Hoy: las formas de la </a:t>
             </a:r>
             <a:r>
-              <a:rPr lang="es-MX" altLang="es-MX" sz="3200" b="1">
-                <a:latin typeface="Calibri" pitchFamily="34" charset="0"/>
+              <a:rPr lang="es-MX" altLang="es-MX" sz="3200" b="1" dirty="0">
+                <a:latin typeface="Calibri"/>
+                <a:cs typeface="Calibri"/>
               </a:rPr>
               <a:t>democracia</a:t>
             </a:r>
             <a:r>
-              <a:rPr lang="es-MX" altLang="es-MX" sz="3200">
-                <a:latin typeface="Calibri" pitchFamily="34" charset="0"/>
-              </a:rPr>
-              <a:t> (Bagehot, Wilson, Lijphart, Powell, Shugart...)</a:t>
-            </a:r>
-            <a:endParaRPr lang="es-ES" altLang="es-MX" sz="3200">
-              <a:latin typeface="Calibri" pitchFamily="34" charset="0"/>
+              <a:rPr lang="es-MX" altLang="es-MX" sz="3200" dirty="0">
+                <a:latin typeface="Calibri"/>
+                <a:cs typeface="Calibri"/>
+              </a:rPr>
+              <a:t> (</a:t>
+            </a:r>
+            <a:r>
+              <a:rPr lang="es-MX" altLang="es-MX" sz="3200" dirty="0" err="1">
+                <a:latin typeface="Calibri"/>
+                <a:cs typeface="Calibri"/>
+              </a:rPr>
+              <a:t>Bagehot</a:t>
+            </a:r>
+            <a:r>
+              <a:rPr lang="es-MX" altLang="es-MX" sz="3200" dirty="0">
+                <a:latin typeface="Calibri"/>
+                <a:cs typeface="Calibri"/>
+              </a:rPr>
+              <a:t>, Wilson, </a:t>
+            </a:r>
+            <a:r>
+              <a:rPr lang="es-MX" altLang="es-MX" sz="3200" dirty="0" err="1">
+                <a:latin typeface="Calibri"/>
+                <a:cs typeface="Calibri"/>
+              </a:rPr>
+              <a:t>Lijphart</a:t>
+            </a:r>
+            <a:r>
+              <a:rPr lang="es-MX" altLang="es-MX" sz="3200" dirty="0">
+                <a:latin typeface="Calibri"/>
+                <a:cs typeface="Calibri"/>
+              </a:rPr>
+              <a:t>, Powell, </a:t>
+            </a:r>
+            <a:r>
+              <a:rPr lang="es-MX" altLang="es-MX" sz="3200" dirty="0" err="1">
+                <a:latin typeface="Calibri"/>
+                <a:cs typeface="Calibri"/>
+              </a:rPr>
+              <a:t>Skach</a:t>
+            </a:r>
+            <a:r>
+              <a:rPr lang="es-MX" altLang="es-MX" sz="3200" dirty="0">
+                <a:latin typeface="Calibri"/>
+                <a:cs typeface="Calibri"/>
+              </a:rPr>
+              <a:t>, </a:t>
+            </a:r>
+            <a:r>
+              <a:rPr lang="es-MX" altLang="es-MX" sz="3200" dirty="0" err="1">
+                <a:latin typeface="Calibri"/>
+                <a:cs typeface="Calibri"/>
+              </a:rPr>
+              <a:t>Shugart</a:t>
+            </a:r>
+            <a:r>
+              <a:rPr lang="es-MX" altLang="es-MX" sz="3200" dirty="0">
+                <a:latin typeface="Calibri"/>
+                <a:cs typeface="Calibri"/>
+              </a:rPr>
+              <a:t>...)</a:t>
+            </a:r>
+            <a:endParaRPr lang="es-ES" altLang="es-MX" sz="3200" dirty="0">
+              <a:latin typeface="Calibri"/>
+              <a:cs typeface="Calibri"/>
             </a:endParaRPr>
           </a:p>
         </p:txBody>
       </p:sp>
       <p:grpSp>
         <p:nvGrpSpPr>
-          <p:cNvPr id="3078" name="Group 15"/>
-          <p:cNvGrpSpPr>
-            <a:grpSpLocks/>
-          </p:cNvGrpSpPr>
+          <p:cNvPr id="3" name="Grupo 2">
+            <a:extLst>
+              <a:ext uri="{FF2B5EF4-FFF2-40B4-BE49-F238E27FC236}">
+                <a16:creationId xmlns:a16="http://schemas.microsoft.com/office/drawing/2014/main" id="{E9935BA5-AB25-43DB-8292-38671CDF35D9}"/>
+              </a:ext>
+            </a:extLst>
+          </p:cNvPr>
+          <p:cNvGrpSpPr/>
           <p:nvPr/>
         </p:nvGrpSpPr>
-        <p:grpSpPr bwMode="auto">
+        <p:grpSpPr>
           <a:xfrm>
-            <a:off x="609600" y="3538538"/>
-            <a:ext cx="8001000" cy="1795462"/>
-            <a:chOff x="384" y="2229"/>
-            <a:chExt cx="5040" cy="1131"/>
+            <a:off x="457200" y="3538538"/>
+            <a:ext cx="8239125" cy="1795462"/>
+            <a:chOff x="609600" y="3538538"/>
+            <a:chExt cx="8239125" cy="1795462"/>
           </a:xfrm>
         </p:grpSpPr>
         <p:pic>
@@ -19249,62 +19311,8 @@
           </p:blipFill>
           <p:spPr bwMode="auto">
             <a:xfrm>
-              <a:off x="384" y="2256"/>
-              <a:ext cx="822" cy="1064"/>
-            </a:xfrm>
-            <a:prstGeom prst="rect">
-              <a:avLst/>
-            </a:prstGeom>
-            <a:noFill/>
-            <a:ln>
-              <a:noFill/>
-            </a:ln>
-            <a:extLst>
-              <a:ext uri="{909E8E84-426E-40DD-AFC4-6F175D3DCCD1}">
-                <a14:hiddenFill xmlns:a14="http://schemas.microsoft.com/office/drawing/2010/main">
-                  <a:solidFill>
-                    <a:srgbClr val="FFFFFF"/>
-                  </a:solidFill>
-                </a14:hiddenFill>
-              </a:ext>
-              <a:ext uri="{91240B29-F687-4F45-9708-019B960494DF}">
-                <a14:hiddenLine xmlns:a14="http://schemas.microsoft.com/office/drawing/2010/main" w="9525">
-                  <a:solidFill>
-                    <a:srgbClr val="000000"/>
-                  </a:solidFill>
-                  <a:miter lim="800000"/>
-                  <a:headEnd/>
-                  <a:tailEnd/>
-                </a14:hiddenLine>
-              </a:ext>
-            </a:extLst>
-          </p:spPr>
-        </p:pic>
-        <p:pic>
-          <p:nvPicPr>
-            <p:cNvPr id="3080" name="Picture 6" descr="C:\Documents and Settings\emagar\Mis documentos\Mis imágenes\Bagehot.gif"/>
-            <p:cNvPicPr>
-              <a:picLocks noChangeAspect="1" noChangeArrowheads="1"/>
-            </p:cNvPicPr>
-            <p:nvPr/>
-          </p:nvPicPr>
-          <p:blipFill>
-            <a:blip r:embed="rId3">
-              <a:extLst>
-                <a:ext uri="{28A0092B-C50C-407E-A947-70E740481C1C}">
-                  <a14:useLocalDpi xmlns:a14="http://schemas.microsoft.com/office/drawing/2010/main" val="0"/>
-                </a:ext>
-              </a:extLst>
-            </a:blip>
-            <a:srcRect/>
-            <a:stretch>
-              <a:fillRect/>
-            </a:stretch>
-          </p:blipFill>
-          <p:spPr bwMode="auto">
-            <a:xfrm>
-              <a:off x="2448" y="2256"/>
-              <a:ext cx="846" cy="1086"/>
+              <a:off x="609600" y="3581400"/>
+              <a:ext cx="1304925" cy="1689100"/>
             </a:xfrm>
             <a:prstGeom prst="rect">
               <a:avLst/>
@@ -19343,7 +19351,7 @@
             <p:nvPr/>
           </p:nvPicPr>
           <p:blipFill>
-            <a:blip r:embed="rId4">
+            <a:blip r:embed="rId3">
               <a:extLst>
                 <a:ext uri="{28A0092B-C50C-407E-A947-70E740481C1C}">
                   <a14:useLocalDpi xmlns:a14="http://schemas.microsoft.com/office/drawing/2010/main" val="0"/>
@@ -19357,8 +19365,8 @@
           </p:blipFill>
           <p:spPr bwMode="auto">
             <a:xfrm>
-              <a:off x="3456" y="2229"/>
-              <a:ext cx="763" cy="1131"/>
+              <a:off x="3771900" y="3538538"/>
+              <a:ext cx="1211263" cy="1795462"/>
             </a:xfrm>
             <a:prstGeom prst="rect">
               <a:avLst/>
@@ -19397,7 +19405,7 @@
             <p:nvPr/>
           </p:nvPicPr>
           <p:blipFill>
-            <a:blip r:embed="rId5">
+            <a:blip r:embed="rId4">
               <a:extLst>
                 <a:ext uri="{28A0092B-C50C-407E-A947-70E740481C1C}">
                   <a14:useLocalDpi xmlns:a14="http://schemas.microsoft.com/office/drawing/2010/main" val="0"/>
@@ -19411,8 +19419,8 @@
           </p:blipFill>
           <p:spPr bwMode="auto">
             <a:xfrm>
-              <a:off x="4368" y="2244"/>
-              <a:ext cx="1056" cy="1104"/>
+              <a:off x="5219700" y="3562350"/>
+              <a:ext cx="1676400" cy="1752600"/>
             </a:xfrm>
             <a:prstGeom prst="rect">
               <a:avLst/>
@@ -19451,7 +19459,7 @@
             <p:nvPr/>
           </p:nvPicPr>
           <p:blipFill>
-            <a:blip r:embed="rId6">
+            <a:blip r:embed="rId5">
               <a:extLst>
                 <a:ext uri="{28A0092B-C50C-407E-A947-70E740481C1C}">
                   <a14:useLocalDpi xmlns:a14="http://schemas.microsoft.com/office/drawing/2010/main" val="0"/>
@@ -19465,8 +19473,8 @@
           </p:blipFill>
           <p:spPr bwMode="auto">
             <a:xfrm>
-              <a:off x="1392" y="2256"/>
-              <a:ext cx="876" cy="1080"/>
+              <a:off x="2209800" y="3581400"/>
+              <a:ext cx="1390650" cy="1714500"/>
             </a:xfrm>
             <a:prstGeom prst="rect">
               <a:avLst/>
@@ -19496,6 +19504,36 @@
             </a:extLst>
           </p:spPr>
         </p:pic>
+        <p:pic>
+          <p:nvPicPr>
+            <p:cNvPr id="2" name="Imagen 2" descr="Imagen en blanco y negro de la cara de una mujer&#10;&#10;Descripción generada automáticamente">
+              <a:extLst>
+                <a:ext uri="{FF2B5EF4-FFF2-40B4-BE49-F238E27FC236}">
+                  <a16:creationId xmlns:a16="http://schemas.microsoft.com/office/drawing/2014/main" id="{102303CA-A735-4BA7-9E02-2B42DD069997}"/>
+                </a:ext>
+              </a:extLst>
+            </p:cNvPr>
+            <p:cNvPicPr>
+              <a:picLocks noChangeAspect="1"/>
+            </p:cNvPicPr>
+            <p:nvPr/>
+          </p:nvPicPr>
+          <p:blipFill>
+            <a:blip r:embed="rId6"/>
+            <a:stretch>
+              <a:fillRect/>
+            </a:stretch>
+          </p:blipFill>
+          <p:spPr>
+            <a:xfrm>
+              <a:off x="7105650" y="3581400"/>
+              <a:ext cx="1743075" cy="1752600"/>
+            </a:xfrm>
+            <a:prstGeom prst="rect">
+              <a:avLst/>
+            </a:prstGeom>
+          </p:spPr>
+        </p:pic>
       </p:grpSp>
     </p:spTree>
   </p:cSld>
@@ -19511,13 +19549,13 @@
               <p:cTn id="2" dur="indefinite" nodeType="mainSeq">
                 <p:childTnLst>
                   <p:par>
-                    <p:cTn id="3" fill="hold" nodeType="clickPar">
+                    <p:cTn id="3" fill="hold">
                       <p:stCondLst>
                         <p:cond delay="indefinite"/>
                       </p:stCondLst>
                       <p:childTnLst>
                         <p:par>
-                          <p:cTn id="4" fill="hold" nodeType="withGroup">
+                          <p:cTn id="4" fill="hold">
                             <p:stCondLst>
                               <p:cond delay="0"/>
                             </p:stCondLst>
@@ -19804,7 +19842,7 @@
           <a:graphicData uri="http://schemas.openxmlformats.org/presentationml/2006/ole">
             <mc:AlternateContent xmlns:mc="http://schemas.openxmlformats.org/markup-compatibility/2006">
               <mc:Choice xmlns:v="urn:schemas-microsoft-com:vml" Requires="v">
-                <p:oleObj spid="_x0000_s21512" name="Bitmap Image" r:id="rId4" imgW="5210902" imgH="1209524" progId="Paint.Picture">
+                <p:oleObj spid="_x0000_s33793" name="Bitmap Image" r:id="rId4" imgW="5210902" imgH="1209524" progId="Paint.Picture">
                   <p:embed/>
                 </p:oleObj>
               </mc:Choice>
@@ -19813,7 +19851,7 @@
                   <p:embed/>
                   <p:pic>
                     <p:nvPicPr>
-                      <p:cNvPr id="0" name="Object 4"/>
+                      <p:cNvPr id="21508" name="Object 4"/>
                       <p:cNvPicPr>
                         <a:picLocks noChangeAspect="1" noChangeArrowheads="1"/>
                       </p:cNvPicPr>
@@ -19886,13 +19924,6 @@
   <p:clrMapOvr>
     <a:masterClrMapping/>
   </p:clrMapOvr>
-  <p:timing>
-    <p:tnLst>
-      <p:par>
-        <p:cTn id="1" dur="indefinite" restart="never" nodeType="tmRoot"/>
-      </p:par>
-    </p:tnLst>
-  </p:timing>
 </p:sld>
 </file>
 
@@ -22285,7 +22316,7 @@
           <a:graphicData uri="http://schemas.openxmlformats.org/presentationml/2006/ole">
             <mc:AlternateContent xmlns:mc="http://schemas.openxmlformats.org/markup-compatibility/2006">
               <mc:Choice xmlns:v="urn:schemas-microsoft-com:vml" Requires="v">
-                <p:oleObj spid="_x0000_s25608" name="Hoja de cálculo" r:id="rId3" imgW="6504813" imgH="4918901" progId="Excel.Sheet.8">
+                <p:oleObj spid="_x0000_s36865" name="Hoja de cálculo" r:id="rId3" imgW="6504813" imgH="4918901" progId="Excel.Sheet.8">
                   <p:embed/>
                 </p:oleObj>
               </mc:Choice>
@@ -22294,7 +22325,7 @@
                   <p:embed/>
                   <p:pic>
                     <p:nvPicPr>
-                      <p:cNvPr id="0" name="Object 1024"/>
+                      <p:cNvPr id="80896" name="Object 1024"/>
                       <p:cNvPicPr>
                         <a:picLocks noChangeAspect="1" noChangeArrowheads="1"/>
                       </p:cNvPicPr>
@@ -24685,7 +24716,7 @@
           </a:extLst>
         </p:spPr>
         <p:txBody>
-          <a:bodyPr>
+          <a:bodyPr lIns="91440" tIns="45720" rIns="91440" bIns="45720" anchor="t">
             <a:spAutoFit/>
           </a:bodyPr>
           <a:lstStyle>
@@ -24793,69 +24824,95 @@
               </a:spcBef>
             </a:pPr>
             <a:r>
-              <a:rPr lang="es-ES" altLang="es-MX" sz="3200">
+              <a:rPr lang="es-ES" altLang="es-MX" sz="3200" dirty="0">
+                <a:latin typeface="Calibri"/>
+                <a:cs typeface="Calibri"/>
+              </a:rPr>
+              <a:t>¿Jefe de Estado = jefe de </a:t>
+            </a:r>
+            <a:r>
+              <a:rPr lang="es-ES" altLang="es-MX" sz="3200" dirty="0" err="1">
+                <a:latin typeface="Calibri"/>
+                <a:cs typeface="Calibri"/>
+              </a:rPr>
+              <a:t>gob</a:t>
+            </a:r>
+            <a:r>
+              <a:rPr lang="es-ES" altLang="es-MX" sz="3200" dirty="0">
+                <a:latin typeface="Calibri"/>
+                <a:cs typeface="Calibri"/>
+              </a:rPr>
+              <a:t>?</a:t>
+            </a:r>
+            <a:br>
+              <a:rPr lang="es-ES" altLang="es-MX" sz="3200" dirty="0">
                 <a:latin typeface="Calibri" pitchFamily="34" charset="0"/>
               </a:rPr>
-              <a:t>Jefe de Estado = jefe de gob?</a:t>
+            </a:br>
+            <a:r>
+              <a:rPr lang="es-ES" sz="3200" dirty="0">
+                <a:cs typeface="Times New Roman"/>
+              </a:rPr>
+              <a:t>¿</a:t>
+            </a:r>
+            <a:r>
+              <a:rPr lang="es-ES" altLang="es-MX" sz="3200" dirty="0">
+                <a:latin typeface="Calibri"/>
+                <a:cs typeface="Calibri"/>
+              </a:rPr>
+              <a:t>Ejecutivo colegiado?</a:t>
             </a:r>
             <a:br>
-              <a:rPr lang="es-ES" altLang="es-MX" sz="3200">
+              <a:rPr lang="es-MX" altLang="es-MX" sz="3200" dirty="0">
                 <a:latin typeface="Calibri" pitchFamily="34" charset="0"/>
               </a:rPr>
             </a:br>
             <a:r>
-              <a:rPr lang="es-ES" altLang="es-MX" sz="3200">
+              <a:rPr lang="es-ES" sz="3200" dirty="0">
+                <a:cs typeface="Times New Roman"/>
+              </a:rPr>
+              <a:t>¿</a:t>
+            </a:r>
+            <a:r>
+              <a:rPr lang="es-MX" altLang="es-MX" sz="3200" dirty="0">
+                <a:latin typeface="Calibri"/>
+                <a:cs typeface="Calibri"/>
+              </a:rPr>
+              <a:t>Parlamento es el foco del poder?</a:t>
+            </a:r>
+            <a:br>
+              <a:rPr lang="es-ES" altLang="es-MX" sz="3200" dirty="0">
                 <a:latin typeface="Calibri" pitchFamily="34" charset="0"/>
               </a:rPr>
-              <a:t>Ejecutivo colegiado?</a:t>
-            </a:r>
-            <a:r>
-              <a:rPr lang="es-MX" altLang="es-MX" sz="3200">
+            </a:br>
+            <a:r>
+              <a:rPr lang="es-ES" sz="3200" dirty="0">
+                <a:cs typeface="Times New Roman"/>
+              </a:rPr>
+              <a:t>¿</a:t>
+            </a:r>
+            <a:r>
+              <a:rPr lang="es-ES" altLang="es-MX" sz="3200" dirty="0">
+                <a:latin typeface="Calibri"/>
+                <a:cs typeface="Calibri"/>
+              </a:rPr>
+              <a:t>Ejecutivo puede disolver el Parlamento?</a:t>
+            </a:r>
+            <a:br>
+              <a:rPr lang="es-ES" altLang="es-MX" sz="3200" dirty="0">
                 <a:latin typeface="Calibri" pitchFamily="34" charset="0"/>
               </a:rPr>
-              <a:t/>
-            </a:r>
-            <a:br>
-              <a:rPr lang="es-MX" altLang="es-MX" sz="3200">
-                <a:latin typeface="Calibri" pitchFamily="34" charset="0"/>
-              </a:rPr>
             </a:br>
             <a:r>
-              <a:rPr lang="es-MX" altLang="es-MX" sz="3200">
-                <a:latin typeface="Calibri" pitchFamily="34" charset="0"/>
-              </a:rPr>
-              <a:t>Parlamento es el foco del poder?</a:t>
-            </a:r>
-            <a:r>
-              <a:rPr lang="es-ES" altLang="es-MX" sz="3200">
-                <a:latin typeface="Calibri" pitchFamily="34" charset="0"/>
-              </a:rPr>
-              <a:t/>
-            </a:r>
-            <a:br>
-              <a:rPr lang="es-ES" altLang="es-MX" sz="3200">
-                <a:latin typeface="Calibri" pitchFamily="34" charset="0"/>
-              </a:rPr>
-            </a:br>
-            <a:r>
-              <a:rPr lang="es-ES" altLang="es-MX" sz="3200">
-                <a:latin typeface="Calibri" pitchFamily="34" charset="0"/>
-              </a:rPr>
-              <a:t>Ejecutivo puede disolver el Parlamento?</a:t>
-            </a:r>
-            <a:br>
-              <a:rPr lang="es-ES" altLang="es-MX" sz="3200">
-                <a:latin typeface="Calibri" pitchFamily="34" charset="0"/>
-              </a:rPr>
-            </a:br>
-            <a:r>
-              <a:rPr lang="es-ES" altLang="es-MX" sz="3200">
-                <a:latin typeface="Calibri" pitchFamily="34" charset="0"/>
+              <a:rPr lang="es-ES" altLang="es-MX" sz="3200" dirty="0">
+                <a:latin typeface="Calibri"/>
+                <a:cs typeface="Calibri"/>
               </a:rPr>
               <a:t>…</a:t>
             </a:r>
-            <a:endParaRPr lang="es-MX" altLang="es-MX" sz="3200">
-              <a:latin typeface="Calibri" pitchFamily="34" charset="0"/>
+            <a:endParaRPr lang="es-MX" altLang="es-MX" sz="3200" dirty="0">
+              <a:latin typeface="Calibri"/>
+              <a:cs typeface="Calibri"/>
             </a:endParaRPr>
           </a:p>
         </p:txBody>
@@ -24901,7 +24958,7 @@
           </a:extLst>
         </p:spPr>
         <p:txBody>
-          <a:bodyPr>
+          <a:bodyPr lIns="91440" tIns="45720" rIns="91440" bIns="45720" anchor="t">
             <a:spAutoFit/>
           </a:bodyPr>
           <a:lstStyle>
@@ -25009,24 +25066,27 @@
               </a:spcBef>
             </a:pPr>
             <a:r>
-              <a:rPr lang="es-MX" altLang="es-MX" sz="3200">
+              <a:rPr lang="es-MX" altLang="es-MX" sz="3200" dirty="0">
+                <a:latin typeface="Calibri"/>
+                <a:cs typeface="Calibri"/>
+              </a:rPr>
+              <a:t>Pueden descartarse por </a:t>
+            </a:r>
+            <a:br>
+              <a:rPr lang="es-MX" altLang="es-MX" sz="3200" dirty="0">
                 <a:latin typeface="Calibri" pitchFamily="34" charset="0"/>
               </a:rPr>
-              <a:t>Mayoría puede descartarse por </a:t>
-            </a:r>
-            <a:br>
-              <a:rPr lang="es-MX" altLang="es-MX" sz="3200">
-                <a:latin typeface="Calibri" pitchFamily="34" charset="0"/>
-              </a:rPr>
             </a:br>
             <a:r>
-              <a:rPr lang="es-MX" altLang="es-MX" sz="3200">
-                <a:latin typeface="Calibri" pitchFamily="34" charset="0"/>
-              </a:rPr>
-              <a:t>no discriminar perfectamente</a:t>
-            </a:r>
-            <a:endParaRPr lang="es-ES" altLang="es-MX" sz="3200">
-              <a:latin typeface="Calibri" pitchFamily="34" charset="0"/>
+              <a:rPr lang="es-MX" altLang="es-MX" sz="3200" dirty="0">
+                <a:latin typeface="Calibri"/>
+                <a:cs typeface="Calibri"/>
+              </a:rPr>
+              <a:t>no discriminar sin excepciones</a:t>
+            </a:r>
+            <a:endParaRPr lang="es-ES" altLang="es-MX" sz="3200" dirty="0">
+              <a:latin typeface="Calibri"/>
+              <a:cs typeface="Calibri"/>
             </a:endParaRPr>
           </a:p>
         </p:txBody>
@@ -25687,13 +25747,6 @@
   <p:clrMapOvr>
     <a:masterClrMapping/>
   </p:clrMapOvr>
-  <p:timing>
-    <p:tnLst>
-      <p:par>
-        <p:cTn id="1" dur="indefinite" restart="never" nodeType="tmRoot"/>
-      </p:par>
-    </p:tnLst>
-  </p:timing>
 </p:sld>
 </file>
 
@@ -26821,12 +26874,6 @@
                 <a:latin typeface="Calibri" pitchFamily="34" charset="0"/>
               </a:rPr>
               <a:t>unívoca</a:t>
-            </a:r>
-            <a:r>
-              <a:rPr lang="es-MX" altLang="es-MX" sz="2800">
-                <a:latin typeface="Calibri" pitchFamily="34" charset="0"/>
-              </a:rPr>
-              <a:t/>
             </a:r>
             <a:br>
               <a:rPr lang="es-MX" altLang="es-MX" sz="2800">
@@ -31879,12 +31926,6 @@
               </a:rPr>
               <a:t>rigidez</a:t>
             </a:r>
-            <a:r>
-              <a:rPr lang="es-MX" altLang="es-MX" sz="2800">
-                <a:latin typeface="Calibri" pitchFamily="34" charset="0"/>
-              </a:rPr>
-              <a:t/>
-            </a:r>
             <a:br>
               <a:rPr lang="es-MX" altLang="es-MX" sz="2800">
                 <a:latin typeface="Calibri" pitchFamily="34" charset="0"/>
@@ -33650,7 +33691,7 @@
           <a:graphicData uri="http://schemas.openxmlformats.org/presentationml/2006/ole">
             <mc:AlternateContent xmlns:mc="http://schemas.openxmlformats.org/markup-compatibility/2006">
               <mc:Choice xmlns:v="urn:schemas-microsoft-com:vml" Requires="v">
-                <p:oleObj spid="_x0000_s10253" name="Hoja de cálculo" r:id="rId3" imgW="4820145" imgH="1305420" progId="Excel.Sheet.8">
+                <p:oleObj spid="_x0000_s22529" name="Hoja de cálculo" r:id="rId3" imgW="4820145" imgH="1305420" progId="Excel.Sheet.8">
                   <p:embed/>
                 </p:oleObj>
               </mc:Choice>
@@ -33659,7 +33700,7 @@
                   <p:embed/>
                   <p:pic>
                     <p:nvPicPr>
-                      <p:cNvPr id="0" name="Object 4"/>
+                      <p:cNvPr id="10244" name="Object 4"/>
                       <p:cNvPicPr>
                         <a:picLocks noChangeAspect="1" noChangeArrowheads="1"/>
                       </p:cNvPicPr>
